--- a/_site/introduction/install-sw/install-sw.pptx
+++ b/_site/introduction/install-sw/install-sw.pptx
@@ -3894,12 +3894,7 @@
             <p:ph type="title"/>
           </p:nvPr>
         </p:nvSpPr>
-        <p:spPr>
-          <a:xfrm>
-            <a:off x="457201" y="204787"/>
-            <a:ext cx="3008313" cy="871538"/>
-          </a:xfrm>
-        </p:spPr>
+        <p:spPr/>
         <p:txBody>
           <a:bodyPr/>
           <a:lstStyle/>
@@ -3916,12 +3911,12 @@
       </p:sp>
       <p:sp>
         <p:nvSpPr>
-          <p:cNvPr id="4" name="Text Placeholder 3"/>
-          <p:cNvSpPr>
-            <a:spLocks noGrp="1"/>
-          </p:cNvSpPr>
-          <p:nvPr>
-            <p:ph idx="2" sz="half" type="body"/>
+          <p:cNvPr id="3" name="Content Placeholder 2"/>
+          <p:cNvSpPr>
+            <a:spLocks noGrp="1"/>
+          </p:cNvSpPr>
+          <p:nvPr>
+            <p:ph idx="1"/>
           </p:nvPr>
         </p:nvSpPr>
         <p:spPr/>
@@ -3962,8 +3957,8 @@
         </p:blipFill>
         <p:spPr bwMode="auto">
           <a:xfrm>
-            <a:off x="3568700" y="304800"/>
-            <a:ext cx="5105400" cy="3657600"/>
+            <a:off x="2565400" y="1193800"/>
+            <a:ext cx="4025900" cy="2882900"/>
           </a:xfrm>
           <a:prstGeom prst="rect">
             <a:avLst/>
@@ -3984,8 +3979,8 @@
         </p:nvSpPr>
         <p:spPr>
           <a:xfrm>
-            <a:off x="3568700" y="4076700"/>
-            <a:ext cx="5105400" cy="508000"/>
+            <a:off x="457200" y="4076700"/>
+            <a:ext cx="8229600" cy="508000"/>
           </a:xfrm>
           <a:prstGeom prst="rect">
             <a:avLst/>
@@ -4038,12 +4033,7 @@
             <p:ph type="title"/>
           </p:nvPr>
         </p:nvSpPr>
-        <p:spPr>
-          <a:xfrm>
-            <a:off x="457201" y="204787"/>
-            <a:ext cx="3008313" cy="871538"/>
-          </a:xfrm>
-        </p:spPr>
+        <p:spPr/>
         <p:txBody>
           <a:bodyPr/>
           <a:lstStyle/>
@@ -4060,12 +4050,12 @@
       </p:sp>
       <p:sp>
         <p:nvSpPr>
-          <p:cNvPr id="4" name="Text Placeholder 3"/>
-          <p:cNvSpPr>
-            <a:spLocks noGrp="1"/>
-          </p:cNvSpPr>
-          <p:nvPr>
-            <p:ph idx="2" sz="half" type="body"/>
+          <p:cNvPr id="3" name="Content Placeholder 2"/>
+          <p:cNvSpPr>
+            <a:spLocks noGrp="1"/>
+          </p:cNvSpPr>
+          <p:nvPr>
+            <p:ph idx="1"/>
           </p:nvPr>
         </p:nvSpPr>
         <p:spPr/>
@@ -4106,8 +4096,8 @@
         </p:blipFill>
         <p:spPr bwMode="auto">
           <a:xfrm>
-            <a:off x="3568700" y="304800"/>
-            <a:ext cx="5105400" cy="3657600"/>
+            <a:off x="2565400" y="1193800"/>
+            <a:ext cx="4025900" cy="2882900"/>
           </a:xfrm>
           <a:prstGeom prst="rect">
             <a:avLst/>
@@ -4128,8 +4118,8 @@
         </p:nvSpPr>
         <p:spPr>
           <a:xfrm>
-            <a:off x="3568700" y="4076700"/>
-            <a:ext cx="5105400" cy="508000"/>
+            <a:off x="457200" y="4076700"/>
+            <a:ext cx="8229600" cy="508000"/>
           </a:xfrm>
           <a:prstGeom prst="rect">
             <a:avLst/>
